--- a/Editables/TP#1 - GIT-GITHUB.pptx
+++ b/Editables/TP#1 - GIT-GITHUB.pptx
@@ -28612,6 +28612,36 @@
           </p:sp>
         </p:grpSp>
       </p:grpSp>
+      <p:pic>
+        <p:nvPicPr>
+          <p:cNvPr id="2" name="Imagen 1"/>
+          <p:cNvPicPr>
+            <a:picLocks noChangeAspect="1"/>
+          </p:cNvPicPr>
+          <p:nvPr/>
+        </p:nvPicPr>
+        <p:blipFill>
+          <a:blip r:embed="rId3">
+            <a:extLst>
+              <a:ext uri="{28A0092B-C50C-407E-A947-70E740481C1C}">
+                <a14:useLocalDpi xmlns:a14="http://schemas.microsoft.com/office/drawing/2010/main" val="0"/>
+              </a:ext>
+            </a:extLst>
+          </a:blip>
+          <a:stretch>
+            <a:fillRect/>
+          </a:stretch>
+        </p:blipFill>
+        <p:spPr>
+          <a:xfrm>
+            <a:off x="7307263" y="238754"/>
+            <a:ext cx="1729890" cy="853514"/>
+          </a:xfrm>
+          <a:prstGeom prst="rect">
+            <a:avLst/>
+          </a:prstGeom>
+        </p:spPr>
+      </p:pic>
     </p:spTree>
   </p:cSld>
   <p:clrMapOvr>
@@ -28797,6 +28827,36 @@
           </a:p>
         </p:txBody>
       </p:sp>
+      <p:pic>
+        <p:nvPicPr>
+          <p:cNvPr id="4" name="Imagen 3"/>
+          <p:cNvPicPr>
+            <a:picLocks noChangeAspect="1"/>
+          </p:cNvPicPr>
+          <p:nvPr/>
+        </p:nvPicPr>
+        <p:blipFill>
+          <a:blip r:embed="rId4">
+            <a:extLst>
+              <a:ext uri="{28A0092B-C50C-407E-A947-70E740481C1C}">
+                <a14:useLocalDpi xmlns:a14="http://schemas.microsoft.com/office/drawing/2010/main" val="0"/>
+              </a:ext>
+            </a:extLst>
+          </a:blip>
+          <a:stretch>
+            <a:fillRect/>
+          </a:stretch>
+        </p:blipFill>
+        <p:spPr>
+          <a:xfrm>
+            <a:off x="7312734" y="192020"/>
+            <a:ext cx="1729890" cy="853514"/>
+          </a:xfrm>
+          <a:prstGeom prst="rect">
+            <a:avLst/>
+          </a:prstGeom>
+        </p:spPr>
+      </p:pic>
     </p:spTree>
   </p:cSld>
   <p:clrMapOvr>
@@ -28834,7 +28894,7 @@
         </p:nvSpPr>
         <p:spPr>
           <a:xfrm>
-            <a:off x="496067" y="1083065"/>
+            <a:off x="921369" y="1104330"/>
             <a:ext cx="7648473" cy="3212488"/>
           </a:xfrm>
           <a:prstGeom prst="rect">
@@ -29197,6 +29257,36 @@
           </a:p>
         </p:txBody>
       </p:sp>
+      <p:pic>
+        <p:nvPicPr>
+          <p:cNvPr id="4" name="Imagen 3"/>
+          <p:cNvPicPr>
+            <a:picLocks noChangeAspect="1"/>
+          </p:cNvPicPr>
+          <p:nvPr/>
+        </p:nvPicPr>
+        <p:blipFill>
+          <a:blip r:embed="rId4">
+            <a:extLst>
+              <a:ext uri="{28A0092B-C50C-407E-A947-70E740481C1C}">
+                <a14:useLocalDpi xmlns:a14="http://schemas.microsoft.com/office/drawing/2010/main" val="0"/>
+              </a:ext>
+            </a:extLst>
+          </a:blip>
+          <a:stretch>
+            <a:fillRect/>
+          </a:stretch>
+        </p:blipFill>
+        <p:spPr>
+          <a:xfrm>
+            <a:off x="7312734" y="187930"/>
+            <a:ext cx="1729890" cy="853514"/>
+          </a:xfrm>
+          <a:prstGeom prst="rect">
+            <a:avLst/>
+          </a:prstGeom>
+        </p:spPr>
+      </p:pic>
     </p:spTree>
   </p:cSld>
   <p:clrMapOvr>
@@ -29518,16 +29608,7 @@
                 </a:solidFill>
                 <a:latin typeface="Overpass"/>
               </a:rPr>
-              <a:t>listado de </a:t>
-            </a:r>
-            <a:r>
-              <a:rPr lang="es-ES" sz="1100" i="1" dirty="0">
-                <a:solidFill>
-                  <a:srgbClr val="F3F3F3"/>
-                </a:solidFill>
-                <a:latin typeface="Overpass"/>
-              </a:rPr>
-              <a:t>directorios</a:t>
+              <a:t>listado de directorios</a:t>
             </a:r>
           </a:p>
           <a:p>
@@ -29576,16 +29657,7 @@
                 </a:solidFill>
                 <a:latin typeface="Overpass"/>
               </a:rPr>
-              <a:t>movernos en los </a:t>
-            </a:r>
-            <a:r>
-              <a:rPr lang="es-ES" sz="1100" i="1" dirty="0">
-                <a:solidFill>
-                  <a:srgbClr val="F3F3F3"/>
-                </a:solidFill>
-                <a:latin typeface="Overpass"/>
-              </a:rPr>
-              <a:t>directorios</a:t>
+              <a:t>movernos en los directorios</a:t>
             </a:r>
           </a:p>
           <a:p>
@@ -29607,16 +29679,7 @@
                 </a:solidFill>
                 <a:latin typeface="Overpass"/>
               </a:rPr>
-              <a:t>- </a:t>
-            </a:r>
-            <a:r>
-              <a:rPr lang="es-ES" sz="1100" b="1" dirty="0">
-                <a:solidFill>
-                  <a:srgbClr val="F3F3F3"/>
-                </a:solidFill>
-                <a:latin typeface="Overpass"/>
-              </a:rPr>
-              <a:t>cd</a:t>
+              <a:t>- cd</a:t>
             </a:r>
             <a:r>
               <a:rPr lang="es-ES" sz="1100" b="1" dirty="0" smtClean="0">
@@ -29634,16 +29697,7 @@
                 </a:solidFill>
                 <a:latin typeface="Overpass"/>
               </a:rPr>
-              <a:t>sube un nivel de </a:t>
-            </a:r>
-            <a:r>
-              <a:rPr lang="es-ES" sz="1100" i="1" dirty="0">
-                <a:solidFill>
-                  <a:srgbClr val="F3F3F3"/>
-                </a:solidFill>
-                <a:latin typeface="Overpass"/>
-              </a:rPr>
-              <a:t>directorios</a:t>
+              <a:t>sube un nivel de directorios</a:t>
             </a:r>
           </a:p>
           <a:p>
@@ -29692,16 +29746,7 @@
                 </a:solidFill>
                 <a:latin typeface="Overpass"/>
               </a:rPr>
-              <a:t>muestra en qué directorio nos </a:t>
-            </a:r>
-            <a:r>
-              <a:rPr lang="es-ES" sz="1100" i="1" dirty="0">
-                <a:solidFill>
-                  <a:srgbClr val="F3F3F3"/>
-                </a:solidFill>
-                <a:latin typeface="Overpass"/>
-              </a:rPr>
-              <a:t>encontramos</a:t>
+              <a:t>muestra en qué directorio nos encontramos</a:t>
             </a:r>
           </a:p>
           <a:p>
@@ -30139,16 +30184,7 @@
                 </a:solidFill>
                 <a:latin typeface="Overpass"/>
               </a:rPr>
-              <a:t> </a:t>
-            </a:r>
-            <a:r>
-              <a:rPr lang="es-ES" sz="1100" b="1" dirty="0">
-                <a:solidFill>
-                  <a:srgbClr val="F3F3F3"/>
-                </a:solidFill>
-                <a:latin typeface="Overpass"/>
-              </a:rPr>
-              <a:t>status - </a:t>
+              <a:t> status - </a:t>
             </a:r>
             <a:r>
               <a:rPr lang="es-ES" sz="1100" i="1" dirty="0">
@@ -30212,14 +30248,24 @@
               <a:t>branch</a:t>
             </a:r>
             <a:r>
-              <a:rPr lang="es-AR" sz="1100" b="1" dirty="0">
+              <a:rPr lang="es-AR" sz="1100" b="1">
                 <a:solidFill>
                   <a:srgbClr val="F3F3F3"/>
                 </a:solidFill>
                 <a:latin typeface="Overpass"/>
                 <a:sym typeface="Overpass"/>
               </a:rPr>
-              <a:t> -n </a:t>
+              <a:t> </a:t>
+            </a:r>
+            <a:r>
+              <a:rPr lang="es-AR" sz="1100" b="1" smtClean="0">
+                <a:solidFill>
+                  <a:srgbClr val="F3F3F3"/>
+                </a:solidFill>
+                <a:latin typeface="Overpass"/>
+                <a:sym typeface="Overpass"/>
+              </a:rPr>
+              <a:t>-m </a:t>
             </a:r>
             <a:r>
               <a:rPr lang="es-AR" sz="1100" b="1" dirty="0" err="1">
@@ -30298,16 +30344,7 @@
                 </a:solidFill>
                 <a:latin typeface="Overpass"/>
               </a:rPr>
-              <a:t> . </a:t>
-            </a:r>
-            <a:r>
-              <a:rPr lang="es-ES" sz="1100" b="1" dirty="0">
-                <a:solidFill>
-                  <a:srgbClr val="F3F3F3"/>
-                </a:solidFill>
-                <a:latin typeface="Overpass"/>
-              </a:rPr>
-              <a:t>- </a:t>
+              <a:t> . - </a:t>
             </a:r>
             <a:r>
               <a:rPr lang="es-ES" sz="1100" i="1" dirty="0">
@@ -30365,6 +30402,36 @@
           </a:p>
         </p:txBody>
       </p:sp>
+      <p:pic>
+        <p:nvPicPr>
+          <p:cNvPr id="4" name="Imagen 3"/>
+          <p:cNvPicPr>
+            <a:picLocks noChangeAspect="1"/>
+          </p:cNvPicPr>
+          <p:nvPr/>
+        </p:nvPicPr>
+        <p:blipFill>
+          <a:blip r:embed="rId2">
+            <a:extLst>
+              <a:ext uri="{28A0092B-C50C-407E-A947-70E740481C1C}">
+                <a14:useLocalDpi xmlns:a14="http://schemas.microsoft.com/office/drawing/2010/main" val="0"/>
+              </a:ext>
+            </a:extLst>
+          </a:blip>
+          <a:stretch>
+            <a:fillRect/>
+          </a:stretch>
+        </p:blipFill>
+        <p:spPr>
+          <a:xfrm>
+            <a:off x="7312734" y="187930"/>
+            <a:ext cx="1729890" cy="853514"/>
+          </a:xfrm>
+          <a:prstGeom prst="rect">
+            <a:avLst/>
+          </a:prstGeom>
+        </p:spPr>
+      </p:pic>
     </p:spTree>
     <p:extLst>
       <p:ext uri="{BB962C8B-B14F-4D97-AF65-F5344CB8AC3E}">
@@ -31816,6 +31883,36 @@
           </a:p>
         </p:txBody>
       </p:sp>
+      <p:pic>
+        <p:nvPicPr>
+          <p:cNvPr id="4" name="Imagen 3"/>
+          <p:cNvPicPr>
+            <a:picLocks noChangeAspect="1"/>
+          </p:cNvPicPr>
+          <p:nvPr/>
+        </p:nvPicPr>
+        <p:blipFill>
+          <a:blip r:embed="rId2">
+            <a:extLst>
+              <a:ext uri="{28A0092B-C50C-407E-A947-70E740481C1C}">
+                <a14:useLocalDpi xmlns:a14="http://schemas.microsoft.com/office/drawing/2010/main" val="0"/>
+              </a:ext>
+            </a:extLst>
+          </a:blip>
+          <a:stretch>
+            <a:fillRect/>
+          </a:stretch>
+        </p:blipFill>
+        <p:spPr>
+          <a:xfrm>
+            <a:off x="7312734" y="187930"/>
+            <a:ext cx="1729890" cy="853514"/>
+          </a:xfrm>
+          <a:prstGeom prst="rect">
+            <a:avLst/>
+          </a:prstGeom>
+        </p:spPr>
+      </p:pic>
     </p:spTree>
     <p:extLst>
       <p:ext uri="{BB962C8B-B14F-4D97-AF65-F5344CB8AC3E}">
@@ -32127,22 +32224,31 @@
               <a:t> </a:t>
             </a:r>
             <a:r>
-              <a:rPr lang="es-MX" sz="1100" b="1" dirty="0" err="1">
+              <a:rPr lang="es-MX" sz="1100" b="1" dirty="0" smtClean="0">
                 <a:solidFill>
                   <a:srgbClr val="F3F3F3"/>
                 </a:solidFill>
                 <a:latin typeface="Overpass"/>
               </a:rPr>
-              <a:t>commit</a:t>
+              <a:t>clone [</a:t>
             </a:r>
             <a:r>
-              <a:rPr lang="es-MX" sz="1100" b="1" dirty="0">
+              <a:rPr lang="es-MX" sz="1100" b="1" dirty="0" err="1" smtClean="0">
                 <a:solidFill>
                   <a:srgbClr val="F3F3F3"/>
                 </a:solidFill>
                 <a:latin typeface="Overpass"/>
               </a:rPr>
-              <a:t> -m "MENSAJE" </a:t>
+              <a:t>url</a:t>
+            </a:r>
+            <a:r>
+              <a:rPr lang="es-MX" sz="1100" b="1" dirty="0" smtClean="0">
+                <a:solidFill>
+                  <a:srgbClr val="F3F3F3"/>
+                </a:solidFill>
+                <a:latin typeface="Overpass"/>
+              </a:rPr>
+              <a:t> remota]  </a:t>
             </a:r>
             <a:r>
               <a:rPr lang="es-MX" sz="1100" i="1" dirty="0" smtClean="0">
@@ -32151,7 +32257,7 @@
                 </a:solidFill>
                 <a:latin typeface="Overpass"/>
               </a:rPr>
-              <a:t>Asocia </a:t>
+              <a:t>comando </a:t>
             </a:r>
             <a:r>
               <a:rPr lang="es-MX" sz="1100" i="1" dirty="0">
@@ -32160,137 +32266,7 @@
                 </a:solidFill>
                 <a:latin typeface="Overpass"/>
               </a:rPr>
-              <a:t>un mensaje al </a:t>
-            </a:r>
-            <a:r>
-              <a:rPr lang="es-MX" sz="1100" i="1" dirty="0" err="1" smtClean="0">
-                <a:solidFill>
-                  <a:srgbClr val="F3F3F3"/>
-                </a:solidFill>
-                <a:latin typeface="Overpass"/>
-              </a:rPr>
-              <a:t>commit</a:t>
-            </a:r>
-            <a:r>
-              <a:rPr lang="es-MX" sz="1100" i="1" dirty="0" smtClean="0">
-                <a:solidFill>
-                  <a:srgbClr val="F3F3F3"/>
-                </a:solidFill>
-                <a:latin typeface="Overpass"/>
-              </a:rPr>
-              <a:t>, cada </a:t>
-            </a:r>
-            <a:r>
-              <a:rPr lang="es-MX" sz="1100" i="1" dirty="0" err="1">
-                <a:solidFill>
-                  <a:srgbClr val="F3F3F3"/>
-                </a:solidFill>
-                <a:latin typeface="Overpass"/>
-              </a:rPr>
-              <a:t>commit</a:t>
-            </a:r>
-            <a:r>
-              <a:rPr lang="es-MX" sz="1100" i="1" dirty="0">
-                <a:solidFill>
-                  <a:srgbClr val="F3F3F3"/>
-                </a:solidFill>
-                <a:latin typeface="Overpass"/>
-              </a:rPr>
-              <a:t> genera un hash</a:t>
-            </a:r>
-            <a:r>
-              <a:rPr lang="es-MX" sz="1100" i="1" dirty="0" smtClean="0">
-                <a:solidFill>
-                  <a:srgbClr val="F3F3F3"/>
-                </a:solidFill>
-                <a:latin typeface="Overpass"/>
-              </a:rPr>
-              <a:t>.</a:t>
-            </a:r>
-          </a:p>
-          <a:p>
-            <a:pPr marL="596900" lvl="1">
-              <a:spcBef>
-                <a:spcPts val="600"/>
-              </a:spcBef>
-              <a:buClr>
-                <a:srgbClr val="F3F3F3"/>
-              </a:buClr>
-              <a:buSzPts val="1400"/>
-            </a:pPr>
-            <a:r>
-              <a:rPr lang="es-MX" sz="1100" i="1" dirty="0">
-                <a:solidFill>
-                  <a:srgbClr val="F3F3F3"/>
-                </a:solidFill>
-                <a:latin typeface="Overpass"/>
-              </a:rPr>
-              <a:t>Registra los cambios en el índice de </a:t>
-            </a:r>
-            <a:r>
-              <a:rPr lang="es-MX" sz="1100" i="1" dirty="0" err="1">
-                <a:solidFill>
-                  <a:srgbClr val="F3F3F3"/>
-                </a:solidFill>
-                <a:latin typeface="Overpass"/>
-              </a:rPr>
-              <a:t>Git</a:t>
-            </a:r>
-            <a:r>
-              <a:rPr lang="es-MX" sz="1100" i="1" dirty="0">
-                <a:solidFill>
-                  <a:srgbClr val="F3F3F3"/>
-                </a:solidFill>
-                <a:latin typeface="Overpass"/>
-              </a:rPr>
-              <a:t> como un </a:t>
-            </a:r>
-            <a:r>
-              <a:rPr lang="es-MX" sz="1100" i="1" dirty="0" err="1">
-                <a:solidFill>
-                  <a:srgbClr val="F3F3F3"/>
-                </a:solidFill>
-                <a:latin typeface="Overpass"/>
-              </a:rPr>
-              <a:t>commit</a:t>
-            </a:r>
-            <a:r>
-              <a:rPr lang="es-MX" sz="1100" i="1" dirty="0">
-                <a:solidFill>
-                  <a:srgbClr val="F3F3F3"/>
-                </a:solidFill>
-                <a:latin typeface="Overpass"/>
-              </a:rPr>
-              <a:t> permanente</a:t>
-            </a:r>
-          </a:p>
-          <a:p>
-            <a:pPr marL="596900" lvl="1">
-              <a:spcBef>
-                <a:spcPts val="600"/>
-              </a:spcBef>
-              <a:buClr>
-                <a:srgbClr val="F3F3F3"/>
-              </a:buClr>
-              <a:buSzPts val="1400"/>
-            </a:pPr>
-            <a:r>
-              <a:rPr lang="es-MX" sz="1100" i="1" dirty="0">
-                <a:solidFill>
-                  <a:srgbClr val="F3F3F3"/>
-                </a:solidFill>
-                <a:latin typeface="Overpass"/>
-              </a:rPr>
-              <a:t>en el historial del proyecto</a:t>
-            </a:r>
-            <a:r>
-              <a:rPr lang="es-MX" sz="1100" i="1" dirty="0" smtClean="0">
-                <a:solidFill>
-                  <a:srgbClr val="F3F3F3"/>
-                </a:solidFill>
-                <a:latin typeface="Overpass"/>
-              </a:rPr>
-              <a:t>.</a:t>
+              <a:t>para clonar un repositorio remoto en tu máquina local</a:t>
             </a:r>
             <a:endParaRPr lang="es-MX" sz="1100" i="1" dirty="0">
               <a:solidFill>
@@ -32336,6 +32312,36 @@
           </a:p>
         </p:txBody>
       </p:sp>
+      <p:pic>
+        <p:nvPicPr>
+          <p:cNvPr id="4" name="Imagen 3"/>
+          <p:cNvPicPr>
+            <a:picLocks noChangeAspect="1"/>
+          </p:cNvPicPr>
+          <p:nvPr/>
+        </p:nvPicPr>
+        <p:blipFill>
+          <a:blip r:embed="rId2">
+            <a:extLst>
+              <a:ext uri="{28A0092B-C50C-407E-A947-70E740481C1C}">
+                <a14:useLocalDpi xmlns:a14="http://schemas.microsoft.com/office/drawing/2010/main" val="0"/>
+              </a:ext>
+            </a:extLst>
+          </a:blip>
+          <a:stretch>
+            <a:fillRect/>
+          </a:stretch>
+        </p:blipFill>
+        <p:spPr>
+          <a:xfrm>
+            <a:off x="7312734" y="187930"/>
+            <a:ext cx="1729890" cy="853514"/>
+          </a:xfrm>
+          <a:prstGeom prst="rect">
+            <a:avLst/>
+          </a:prstGeom>
+        </p:spPr>
+      </p:pic>
     </p:spTree>
     <p:extLst>
       <p:ext uri="{BB962C8B-B14F-4D97-AF65-F5344CB8AC3E}">
